--- a/HRMS_Presentation.pptx
+++ b/HRMS_Presentation.pptx
@@ -2,7 +2,7 @@
 <file path=ppt/presentation.xml><?xml version="1.0" encoding="utf-8"?>
 <p:presentation xmlns:a="http://schemas.openxmlformats.org/drawingml/2006/main" xmlns:r="http://schemas.openxmlformats.org/officeDocument/2006/relationships" xmlns:p="http://schemas.openxmlformats.org/presentationml/2006/main" saveSubsetFonts="1">
   <p:sldMasterIdLst>
-    <p:sldMasterId id="2147483813" r:id="rId1"/>
+    <p:sldMasterId id="2147483842" r:id="rId1"/>
   </p:sldMasterIdLst>
   <p:notesMasterIdLst>
     <p:notesMasterId r:id="rId18"/>
@@ -212,7 +212,7 @@
           <a:p>
             <a:fld id="{E1690644-4317-4E1B-B911-DFB051668FCC}" type="datetimeFigureOut">
               <a:rPr lang="en-US" smtClean="0"/>
-              <a:t>11/18/2021</a:t>
+              <a:t>11/20/2021</a:t>
             </a:fld>
             <a:endParaRPr lang="en-US"/>
           </a:p>
@@ -1202,7 +1202,7 @@
           <a:p>
             <a:fld id="{F3DE71BB-1E05-4DCA-B204-E74D985CEE9E}" type="datetimeFigureOut">
               <a:rPr lang="en-US" smtClean="0"/>
-              <a:t>11/18/2021</a:t>
+              <a:t>11/20/2021</a:t>
             </a:fld>
             <a:endParaRPr lang="en-US"/>
           </a:p>
@@ -1253,7 +1253,7 @@
     </p:spTree>
     <p:extLst>
       <p:ext uri="{BB962C8B-B14F-4D97-AF65-F5344CB8AC3E}">
-        <p14:creationId xmlns:p14="http://schemas.microsoft.com/office/powerpoint/2010/main" val="2495596574"/>
+        <p14:creationId xmlns:p14="http://schemas.microsoft.com/office/powerpoint/2010/main" val="34155195"/>
       </p:ext>
     </p:extLst>
   </p:cSld>
@@ -1453,7 +1453,7 @@
           <a:p>
             <a:fld id="{F3DE71BB-1E05-4DCA-B204-E74D985CEE9E}" type="datetimeFigureOut">
               <a:rPr lang="en-US" smtClean="0"/>
-              <a:t>11/18/2021</a:t>
+              <a:t>11/20/2021</a:t>
             </a:fld>
             <a:endParaRPr lang="en-US"/>
           </a:p>
@@ -1504,7 +1504,7 @@
     </p:spTree>
     <p:extLst>
       <p:ext uri="{BB962C8B-B14F-4D97-AF65-F5344CB8AC3E}">
-        <p14:creationId xmlns:p14="http://schemas.microsoft.com/office/powerpoint/2010/main" val="2697676048"/>
+        <p14:creationId xmlns:p14="http://schemas.microsoft.com/office/powerpoint/2010/main" val="3806067690"/>
       </p:ext>
     </p:extLst>
   </p:cSld>
@@ -1767,7 +1767,7 @@
           <a:p>
             <a:fld id="{F3DE71BB-1E05-4DCA-B204-E74D985CEE9E}" type="datetimeFigureOut">
               <a:rPr lang="en-US" smtClean="0"/>
-              <a:t>11/18/2021</a:t>
+              <a:t>11/20/2021</a:t>
             </a:fld>
             <a:endParaRPr lang="en-US"/>
           </a:p>
@@ -1908,7 +1908,7 @@
     </p:spTree>
     <p:extLst>
       <p:ext uri="{BB962C8B-B14F-4D97-AF65-F5344CB8AC3E}">
-        <p14:creationId xmlns:p14="http://schemas.microsoft.com/office/powerpoint/2010/main" val="233437984"/>
+        <p14:creationId xmlns:p14="http://schemas.microsoft.com/office/powerpoint/2010/main" val="2236449538"/>
       </p:ext>
     </p:extLst>
   </p:cSld>
@@ -2108,7 +2108,7 @@
           <a:p>
             <a:fld id="{F3DE71BB-1E05-4DCA-B204-E74D985CEE9E}" type="datetimeFigureOut">
               <a:rPr lang="en-US" smtClean="0"/>
-              <a:t>11/18/2021</a:t>
+              <a:t>11/20/2021</a:t>
             </a:fld>
             <a:endParaRPr lang="en-US"/>
           </a:p>
@@ -2159,7 +2159,7 @@
     </p:spTree>
     <p:extLst>
       <p:ext uri="{BB962C8B-B14F-4D97-AF65-F5344CB8AC3E}">
-        <p14:creationId xmlns:p14="http://schemas.microsoft.com/office/powerpoint/2010/main" val="1120985671"/>
+        <p14:creationId xmlns:p14="http://schemas.microsoft.com/office/powerpoint/2010/main" val="2492141352"/>
       </p:ext>
     </p:extLst>
   </p:cSld>
@@ -2422,7 +2422,7 @@
           <a:p>
             <a:fld id="{F3DE71BB-1E05-4DCA-B204-E74D985CEE9E}" type="datetimeFigureOut">
               <a:rPr lang="en-US" smtClean="0"/>
-              <a:t>11/18/2021</a:t>
+              <a:t>11/20/2021</a:t>
             </a:fld>
             <a:endParaRPr lang="en-US"/>
           </a:p>
@@ -2555,7 +2555,7 @@
     </p:spTree>
     <p:extLst>
       <p:ext uri="{BB962C8B-B14F-4D97-AF65-F5344CB8AC3E}">
-        <p14:creationId xmlns:p14="http://schemas.microsoft.com/office/powerpoint/2010/main" val="2707820459"/>
+        <p14:creationId xmlns:p14="http://schemas.microsoft.com/office/powerpoint/2010/main" val="3333204540"/>
       </p:ext>
     </p:extLst>
   </p:cSld>
@@ -2815,7 +2815,7 @@
           <a:p>
             <a:fld id="{F3DE71BB-1E05-4DCA-B204-E74D985CEE9E}" type="datetimeFigureOut">
               <a:rPr lang="en-US" smtClean="0"/>
-              <a:t>11/18/2021</a:t>
+              <a:t>11/20/2021</a:t>
             </a:fld>
             <a:endParaRPr lang="en-US"/>
           </a:p>
@@ -2866,7 +2866,7 @@
     </p:spTree>
     <p:extLst>
       <p:ext uri="{BB962C8B-B14F-4D97-AF65-F5344CB8AC3E}">
-        <p14:creationId xmlns:p14="http://schemas.microsoft.com/office/powerpoint/2010/main" val="2538065484"/>
+        <p14:creationId xmlns:p14="http://schemas.microsoft.com/office/powerpoint/2010/main" val="4026334177"/>
       </p:ext>
     </p:extLst>
   </p:cSld>
@@ -2985,7 +2985,7 @@
           <a:p>
             <a:fld id="{F3DE71BB-1E05-4DCA-B204-E74D985CEE9E}" type="datetimeFigureOut">
               <a:rPr lang="en-US" smtClean="0"/>
-              <a:t>11/18/2021</a:t>
+              <a:t>11/20/2021</a:t>
             </a:fld>
             <a:endParaRPr lang="en-US"/>
           </a:p>
@@ -3036,7 +3036,7 @@
     </p:spTree>
     <p:extLst>
       <p:ext uri="{BB962C8B-B14F-4D97-AF65-F5344CB8AC3E}">
-        <p14:creationId xmlns:p14="http://schemas.microsoft.com/office/powerpoint/2010/main" val="29572031"/>
+        <p14:creationId xmlns:p14="http://schemas.microsoft.com/office/powerpoint/2010/main" val="1887674628"/>
       </p:ext>
     </p:extLst>
   </p:cSld>
@@ -3165,7 +3165,7 @@
           <a:p>
             <a:fld id="{F3DE71BB-1E05-4DCA-B204-E74D985CEE9E}" type="datetimeFigureOut">
               <a:rPr lang="en-US" smtClean="0"/>
-              <a:t>11/18/2021</a:t>
+              <a:t>11/20/2021</a:t>
             </a:fld>
             <a:endParaRPr lang="en-US"/>
           </a:p>
@@ -3216,7 +3216,7 @@
     </p:spTree>
     <p:extLst>
       <p:ext uri="{BB962C8B-B14F-4D97-AF65-F5344CB8AC3E}">
-        <p14:creationId xmlns:p14="http://schemas.microsoft.com/office/powerpoint/2010/main" val="3714451542"/>
+        <p14:creationId xmlns:p14="http://schemas.microsoft.com/office/powerpoint/2010/main" val="4225366200"/>
       </p:ext>
     </p:extLst>
   </p:cSld>
@@ -3341,7 +3341,7 @@
           <a:p>
             <a:fld id="{F3DE71BB-1E05-4DCA-B204-E74D985CEE9E}" type="datetimeFigureOut">
               <a:rPr lang="en-US" smtClean="0"/>
-              <a:t>11/18/2021</a:t>
+              <a:t>11/20/2021</a:t>
             </a:fld>
             <a:endParaRPr lang="en-US"/>
           </a:p>
@@ -3392,7 +3392,7 @@
     </p:spTree>
     <p:extLst>
       <p:ext uri="{BB962C8B-B14F-4D97-AF65-F5344CB8AC3E}">
-        <p14:creationId xmlns:p14="http://schemas.microsoft.com/office/powerpoint/2010/main" val="3674151710"/>
+        <p14:creationId xmlns:p14="http://schemas.microsoft.com/office/powerpoint/2010/main" val="650834986"/>
       </p:ext>
     </p:extLst>
   </p:cSld>
@@ -3588,7 +3588,7 @@
           <a:p>
             <a:fld id="{F3DE71BB-1E05-4DCA-B204-E74D985CEE9E}" type="datetimeFigureOut">
               <a:rPr lang="en-US" smtClean="0"/>
-              <a:t>11/18/2021</a:t>
+              <a:t>11/20/2021</a:t>
             </a:fld>
             <a:endParaRPr lang="en-US"/>
           </a:p>
@@ -3639,7 +3639,7 @@
     </p:spTree>
     <p:extLst>
       <p:ext uri="{BB962C8B-B14F-4D97-AF65-F5344CB8AC3E}">
-        <p14:creationId xmlns:p14="http://schemas.microsoft.com/office/powerpoint/2010/main" val="161942600"/>
+        <p14:creationId xmlns:p14="http://schemas.microsoft.com/office/powerpoint/2010/main" val="404496138"/>
       </p:ext>
     </p:extLst>
   </p:cSld>
@@ -3820,7 +3820,7 @@
           <a:p>
             <a:fld id="{F3DE71BB-1E05-4DCA-B204-E74D985CEE9E}" type="datetimeFigureOut">
               <a:rPr lang="en-US" smtClean="0"/>
-              <a:t>11/18/2021</a:t>
+              <a:t>11/20/2021</a:t>
             </a:fld>
             <a:endParaRPr lang="en-US"/>
           </a:p>
@@ -3871,7 +3871,7 @@
     </p:spTree>
     <p:extLst>
       <p:ext uri="{BB962C8B-B14F-4D97-AF65-F5344CB8AC3E}">
-        <p14:creationId xmlns:p14="http://schemas.microsoft.com/office/powerpoint/2010/main" val="3821664277"/>
+        <p14:creationId xmlns:p14="http://schemas.microsoft.com/office/powerpoint/2010/main" val="1625266953"/>
       </p:ext>
     </p:extLst>
   </p:cSld>
@@ -4194,7 +4194,7 @@
           <a:p>
             <a:fld id="{F3DE71BB-1E05-4DCA-B204-E74D985CEE9E}" type="datetimeFigureOut">
               <a:rPr lang="en-US" smtClean="0"/>
-              <a:t>11/18/2021</a:t>
+              <a:t>11/20/2021</a:t>
             </a:fld>
             <a:endParaRPr lang="en-US"/>
           </a:p>
@@ -4245,7 +4245,7 @@
     </p:spTree>
     <p:extLst>
       <p:ext uri="{BB962C8B-B14F-4D97-AF65-F5344CB8AC3E}">
-        <p14:creationId xmlns:p14="http://schemas.microsoft.com/office/powerpoint/2010/main" val="2748658768"/>
+        <p14:creationId xmlns:p14="http://schemas.microsoft.com/office/powerpoint/2010/main" val="2238119804"/>
       </p:ext>
     </p:extLst>
   </p:cSld>
@@ -4317,7 +4317,7 @@
           <a:p>
             <a:fld id="{F3DE71BB-1E05-4DCA-B204-E74D985CEE9E}" type="datetimeFigureOut">
               <a:rPr lang="en-US" smtClean="0"/>
-              <a:t>11/18/2021</a:t>
+              <a:t>11/20/2021</a:t>
             </a:fld>
             <a:endParaRPr lang="en-US"/>
           </a:p>
@@ -4368,7 +4368,7 @@
     </p:spTree>
     <p:extLst>
       <p:ext uri="{BB962C8B-B14F-4D97-AF65-F5344CB8AC3E}">
-        <p14:creationId xmlns:p14="http://schemas.microsoft.com/office/powerpoint/2010/main" val="4183795273"/>
+        <p14:creationId xmlns:p14="http://schemas.microsoft.com/office/powerpoint/2010/main" val="763410173"/>
       </p:ext>
     </p:extLst>
   </p:cSld>
@@ -4412,7 +4412,7 @@
           <a:p>
             <a:fld id="{F3DE71BB-1E05-4DCA-B204-E74D985CEE9E}" type="datetimeFigureOut">
               <a:rPr lang="en-US" smtClean="0"/>
-              <a:t>11/18/2021</a:t>
+              <a:t>11/20/2021</a:t>
             </a:fld>
             <a:endParaRPr lang="en-US"/>
           </a:p>
@@ -4463,7 +4463,7 @@
     </p:spTree>
     <p:extLst>
       <p:ext uri="{BB962C8B-B14F-4D97-AF65-F5344CB8AC3E}">
-        <p14:creationId xmlns:p14="http://schemas.microsoft.com/office/powerpoint/2010/main" val="4218850490"/>
+        <p14:creationId xmlns:p14="http://schemas.microsoft.com/office/powerpoint/2010/main" val="564855695"/>
       </p:ext>
     </p:extLst>
   </p:cSld>
@@ -4667,7 +4667,7 @@
           <a:p>
             <a:fld id="{F3DE71BB-1E05-4DCA-B204-E74D985CEE9E}" type="datetimeFigureOut">
               <a:rPr lang="en-US" smtClean="0"/>
-              <a:t>11/18/2021</a:t>
+              <a:t>11/20/2021</a:t>
             </a:fld>
             <a:endParaRPr lang="en-US"/>
           </a:p>
@@ -4718,7 +4718,7 @@
     </p:spTree>
     <p:extLst>
       <p:ext uri="{BB962C8B-B14F-4D97-AF65-F5344CB8AC3E}">
-        <p14:creationId xmlns:p14="http://schemas.microsoft.com/office/powerpoint/2010/main" val="2825033944"/>
+        <p14:creationId xmlns:p14="http://schemas.microsoft.com/office/powerpoint/2010/main" val="2627255228"/>
       </p:ext>
     </p:extLst>
   </p:cSld>
@@ -4930,7 +4930,7 @@
           <a:p>
             <a:fld id="{F3DE71BB-1E05-4DCA-B204-E74D985CEE9E}" type="datetimeFigureOut">
               <a:rPr lang="en-US" smtClean="0"/>
-              <a:t>11/18/2021</a:t>
+              <a:t>11/20/2021</a:t>
             </a:fld>
             <a:endParaRPr lang="en-US"/>
           </a:p>
@@ -4981,7 +4981,7 @@
     </p:spTree>
     <p:extLst>
       <p:ext uri="{BB962C8B-B14F-4D97-AF65-F5344CB8AC3E}">
-        <p14:creationId xmlns:p14="http://schemas.microsoft.com/office/powerpoint/2010/main" val="4075922040"/>
+        <p14:creationId xmlns:p14="http://schemas.microsoft.com/office/powerpoint/2010/main" val="3430027968"/>
       </p:ext>
     </p:extLst>
   </p:cSld>
@@ -5673,7 +5673,7 @@
           <a:p>
             <a:fld id="{F3DE71BB-1E05-4DCA-B204-E74D985CEE9E}" type="datetimeFigureOut">
               <a:rPr lang="en-US" smtClean="0"/>
-              <a:t>11/18/2021</a:t>
+              <a:t>11/20/2021</a:t>
             </a:fld>
             <a:endParaRPr lang="en-US"/>
           </a:p>
@@ -5758,28 +5758,28 @@
     </p:spTree>
     <p:extLst>
       <p:ext uri="{BB962C8B-B14F-4D97-AF65-F5344CB8AC3E}">
-        <p14:creationId xmlns:p14="http://schemas.microsoft.com/office/powerpoint/2010/main" val="2095585272"/>
+        <p14:creationId xmlns:p14="http://schemas.microsoft.com/office/powerpoint/2010/main" val="1043767146"/>
       </p:ext>
     </p:extLst>
   </p:cSld>
   <p:clrMap bg1="lt1" tx1="dk1" bg2="lt2" tx2="dk2" accent1="accent1" accent2="accent2" accent3="accent3" accent4="accent4" accent5="accent5" accent6="accent6" hlink="hlink" folHlink="folHlink"/>
   <p:sldLayoutIdLst>
-    <p:sldLayoutId id="2147483814" r:id="rId1"/>
-    <p:sldLayoutId id="2147483815" r:id="rId2"/>
-    <p:sldLayoutId id="2147483816" r:id="rId3"/>
-    <p:sldLayoutId id="2147483817" r:id="rId4"/>
-    <p:sldLayoutId id="2147483818" r:id="rId5"/>
-    <p:sldLayoutId id="2147483819" r:id="rId6"/>
-    <p:sldLayoutId id="2147483820" r:id="rId7"/>
-    <p:sldLayoutId id="2147483821" r:id="rId8"/>
-    <p:sldLayoutId id="2147483822" r:id="rId9"/>
-    <p:sldLayoutId id="2147483823" r:id="rId10"/>
-    <p:sldLayoutId id="2147483824" r:id="rId11"/>
-    <p:sldLayoutId id="2147483825" r:id="rId12"/>
-    <p:sldLayoutId id="2147483826" r:id="rId13"/>
-    <p:sldLayoutId id="2147483827" r:id="rId14"/>
-    <p:sldLayoutId id="2147483828" r:id="rId15"/>
-    <p:sldLayoutId id="2147483829" r:id="rId16"/>
+    <p:sldLayoutId id="2147483843" r:id="rId1"/>
+    <p:sldLayoutId id="2147483844" r:id="rId2"/>
+    <p:sldLayoutId id="2147483845" r:id="rId3"/>
+    <p:sldLayoutId id="2147483846" r:id="rId4"/>
+    <p:sldLayoutId id="2147483847" r:id="rId5"/>
+    <p:sldLayoutId id="2147483848" r:id="rId6"/>
+    <p:sldLayoutId id="2147483849" r:id="rId7"/>
+    <p:sldLayoutId id="2147483850" r:id="rId8"/>
+    <p:sldLayoutId id="2147483851" r:id="rId9"/>
+    <p:sldLayoutId id="2147483852" r:id="rId10"/>
+    <p:sldLayoutId id="2147483853" r:id="rId11"/>
+    <p:sldLayoutId id="2147483854" r:id="rId12"/>
+    <p:sldLayoutId id="2147483855" r:id="rId13"/>
+    <p:sldLayoutId id="2147483856" r:id="rId14"/>
+    <p:sldLayoutId id="2147483857" r:id="rId15"/>
+    <p:sldLayoutId id="2147483858" r:id="rId16"/>
   </p:sldLayoutIdLst>
   <p:txStyles>
     <p:titleStyle>
@@ -6376,21 +6376,7 @@
                 <a:latin typeface="Calibri" panose="020F0502020204030204" pitchFamily="34" charset="0"/>
                 <a:cs typeface="Calibri" panose="020F0502020204030204" pitchFamily="34" charset="0"/>
               </a:rPr>
-              <a:t>Human Resource Management</a:t>
-            </a:r>
-            <a:r>
-              <a:rPr lang="en-US" sz="2800" b="1" dirty="0" smtClean="0">
-                <a:latin typeface="Calibri" panose="020F0502020204030204" pitchFamily="34" charset="0"/>
-                <a:cs typeface="Calibri" panose="020F0502020204030204" pitchFamily="34" charset="0"/>
-              </a:rPr>
-              <a:t> </a:t>
-            </a:r>
-            <a:r>
-              <a:rPr lang="en-US" sz="2800" b="1" dirty="0" smtClean="0">
-                <a:latin typeface="Calibri" panose="020F0502020204030204" pitchFamily="34" charset="0"/>
-                <a:cs typeface="Calibri" panose="020F0502020204030204" pitchFamily="34" charset="0"/>
-              </a:rPr>
-              <a:t>System</a:t>
+              <a:t>Human Resource Management System</a:t>
             </a:r>
             <a:endParaRPr lang="en-US" sz="2400" b="1" dirty="0">
               <a:latin typeface="Calibri" panose="020F0502020204030204" pitchFamily="34" charset="0"/>
@@ -6427,14 +6413,7 @@
                 <a:latin typeface="Calibri" panose="020F0502020204030204" pitchFamily="34" charset="0"/>
                 <a:cs typeface="Calibri" panose="020F0502020204030204" pitchFamily="34" charset="0"/>
               </a:rPr>
-              <a:t>Presented </a:t>
-            </a:r>
-            <a:r>
-              <a:rPr lang="en-US" sz="2000" dirty="0" smtClean="0">
-                <a:latin typeface="Calibri" panose="020F0502020204030204" pitchFamily="34" charset="0"/>
-                <a:cs typeface="Calibri" panose="020F0502020204030204" pitchFamily="34" charset="0"/>
-              </a:rPr>
-              <a:t>by:</a:t>
+              <a:t>Presented by:</a:t>
             </a:r>
           </a:p>
           <a:p>
@@ -6833,20 +6812,7 @@
                 <a:latin typeface="Calibri" panose="020F0502020204030204" pitchFamily="34" charset="0"/>
                 <a:cs typeface="Calibri" panose="020F0502020204030204" pitchFamily="34" charset="0"/>
               </a:rPr>
-              <a:t>HTML, </a:t>
-            </a:r>
-            <a:r>
-              <a:rPr lang="en-US" sz="2000" dirty="0" smtClean="0">
-                <a:solidFill>
-                  <a:schemeClr val="tx1">
-                    <a:lumMod val="95000"/>
-                    <a:lumOff val="5000"/>
-                  </a:schemeClr>
-                </a:solidFill>
-                <a:latin typeface="Calibri" panose="020F0502020204030204" pitchFamily="34" charset="0"/>
-                <a:cs typeface="Calibri" panose="020F0502020204030204" pitchFamily="34" charset="0"/>
-              </a:rPr>
-              <a:t>CSS and Python </a:t>
+              <a:t>HTML, CSS and Python </a:t>
             </a:r>
           </a:p>
           <a:p>
@@ -6865,10 +6831,15 @@
                 <a:latin typeface="Calibri" panose="020F0502020204030204" pitchFamily="34" charset="0"/>
                 <a:cs typeface="Calibri" panose="020F0502020204030204" pitchFamily="34" charset="0"/>
               </a:rPr>
-              <a:t>Framework</a:t>
-            </a:r>
-            <a:r>
-              <a:rPr lang="en-US" sz="2400" dirty="0" smtClean="0">
+              <a:t>Framework:</a:t>
+            </a:r>
+          </a:p>
+          <a:p>
+            <a:pPr marL="0" indent="0">
+              <a:buNone/>
+            </a:pPr>
+            <a:r>
+              <a:rPr lang="en-US" sz="2000" dirty="0">
                 <a:solidFill>
                   <a:schemeClr val="tx1">
                     <a:lumMod val="95000"/>
@@ -6878,15 +6849,10 @@
                 <a:latin typeface="Calibri" panose="020F0502020204030204" pitchFamily="34" charset="0"/>
                 <a:cs typeface="Calibri" panose="020F0502020204030204" pitchFamily="34" charset="0"/>
               </a:rPr>
-              <a:t>:</a:t>
-            </a:r>
-          </a:p>
-          <a:p>
-            <a:pPr marL="0" indent="0">
-              <a:buNone/>
-            </a:pPr>
-            <a:r>
-              <a:rPr lang="en-US" sz="2000" dirty="0">
+              <a:t>	</a:t>
+            </a:r>
+            <a:r>
+              <a:rPr lang="en-US" sz="2000" dirty="0" smtClean="0">
                 <a:solidFill>
                   <a:schemeClr val="tx1">
                     <a:lumMod val="95000"/>
@@ -6896,31 +6862,8 @@
                 <a:latin typeface="Calibri" panose="020F0502020204030204" pitchFamily="34" charset="0"/>
                 <a:cs typeface="Calibri" panose="020F0502020204030204" pitchFamily="34" charset="0"/>
               </a:rPr>
-              <a:t>	</a:t>
-            </a:r>
-            <a:r>
-              <a:rPr lang="en-US" sz="2000" dirty="0" smtClean="0">
-                <a:solidFill>
-                  <a:schemeClr val="tx1">
-                    <a:lumMod val="95000"/>
-                    <a:lumOff val="5000"/>
-                  </a:schemeClr>
-                </a:solidFill>
-                <a:latin typeface="Calibri" panose="020F0502020204030204" pitchFamily="34" charset="0"/>
-                <a:cs typeface="Calibri" panose="020F0502020204030204" pitchFamily="34" charset="0"/>
-              </a:rPr>
               <a:t>Bootstrap and Django</a:t>
             </a:r>
-            <a:endParaRPr lang="en-US" sz="2000" dirty="0" smtClean="0">
-              <a:solidFill>
-                <a:schemeClr val="tx1">
-                  <a:lumMod val="95000"/>
-                  <a:lumOff val="5000"/>
-                </a:schemeClr>
-              </a:solidFill>
-              <a:latin typeface="Calibri" panose="020F0502020204030204" pitchFamily="34" charset="0"/>
-              <a:cs typeface="Calibri" panose="020F0502020204030204" pitchFamily="34" charset="0"/>
-            </a:endParaRPr>
           </a:p>
           <a:p>
             <a:pPr>
@@ -6969,20 +6912,7 @@
                 <a:latin typeface="Calibri" panose="020F0502020204030204" pitchFamily="34" charset="0"/>
                 <a:cs typeface="Calibri" panose="020F0502020204030204" pitchFamily="34" charset="0"/>
               </a:rPr>
-              <a:t>PyCharm and Chrome </a:t>
-            </a:r>
-            <a:r>
-              <a:rPr lang="en-US" sz="2000" dirty="0" smtClean="0">
-                <a:solidFill>
-                  <a:schemeClr val="tx1">
-                    <a:lumMod val="95000"/>
-                    <a:lumOff val="5000"/>
-                  </a:schemeClr>
-                </a:solidFill>
-                <a:latin typeface="Calibri" panose="020F0502020204030204" pitchFamily="34" charset="0"/>
-                <a:cs typeface="Calibri" panose="020F0502020204030204" pitchFamily="34" charset="0"/>
-              </a:rPr>
-              <a:t>Browser</a:t>
+              <a:t>PyCharm and Chrome Browser</a:t>
             </a:r>
           </a:p>
           <a:p>
@@ -7203,16 +7133,6 @@
               </a:rPr>
               <a:t>: </a:t>
             </a:r>
-            <a:endParaRPr lang="en-US" sz="2400" dirty="0" smtClean="0">
-              <a:solidFill>
-                <a:schemeClr val="tx1">
-                  <a:lumMod val="95000"/>
-                  <a:lumOff val="5000"/>
-                </a:schemeClr>
-              </a:solidFill>
-              <a:latin typeface="Calibri" panose="020F0502020204030204" pitchFamily="34" charset="0"/>
-              <a:cs typeface="Calibri" panose="020F0502020204030204" pitchFamily="34" charset="0"/>
-            </a:endParaRPr>
           </a:p>
           <a:p>
             <a:pPr>
@@ -7251,16 +7171,6 @@
               </a:rPr>
               <a:t>Provide all vacancy details.</a:t>
             </a:r>
-            <a:endParaRPr lang="en-US" sz="2200" dirty="0" smtClean="0">
-              <a:solidFill>
-                <a:schemeClr val="tx1">
-                  <a:lumMod val="95000"/>
-                  <a:lumOff val="5000"/>
-                </a:schemeClr>
-              </a:solidFill>
-              <a:latin typeface="Calibri" panose="020F0502020204030204" pitchFamily="34" charset="0"/>
-              <a:cs typeface="Calibri" panose="020F0502020204030204" pitchFamily="34" charset="0"/>
-            </a:endParaRPr>
           </a:p>
           <a:p>
             <a:pPr>
@@ -7335,31 +7245,8 @@
                 <a:latin typeface="Calibri" panose="020F0502020204030204" pitchFamily="34" charset="0"/>
                 <a:cs typeface="Calibri" panose="020F0502020204030204" pitchFamily="34" charset="0"/>
               </a:rPr>
-              <a:t>Apply for th</a:t>
-            </a:r>
-            <a:r>
-              <a:rPr lang="en-US" sz="2200" dirty="0" smtClean="0">
-                <a:solidFill>
-                  <a:schemeClr val="tx1">
-                    <a:lumMod val="95000"/>
-                    <a:lumOff val="5000"/>
-                  </a:schemeClr>
-                </a:solidFill>
-                <a:latin typeface="Calibri" panose="020F0502020204030204" pitchFamily="34" charset="0"/>
-                <a:cs typeface="Calibri" panose="020F0502020204030204" pitchFamily="34" charset="0"/>
-              </a:rPr>
-              <a:t>e vacancy.</a:t>
-            </a:r>
-            <a:endParaRPr lang="en-US" sz="2200" dirty="0" smtClean="0">
-              <a:solidFill>
-                <a:schemeClr val="tx1">
-                  <a:lumMod val="95000"/>
-                  <a:lumOff val="5000"/>
-                </a:schemeClr>
-              </a:solidFill>
-              <a:latin typeface="Calibri" panose="020F0502020204030204" pitchFamily="34" charset="0"/>
-              <a:cs typeface="Calibri" panose="020F0502020204030204" pitchFamily="34" charset="0"/>
-            </a:endParaRPr>
+              <a:t>Apply for the vacancy.</a:t>
+            </a:r>
           </a:p>
           <a:p>
             <a:pPr>
@@ -7398,16 +7285,6 @@
               </a:rPr>
               <a:t>Manage all the details.</a:t>
             </a:r>
-            <a:endParaRPr lang="en-US" sz="2000" dirty="0" smtClean="0">
-              <a:solidFill>
-                <a:schemeClr val="tx1">
-                  <a:lumMod val="95000"/>
-                  <a:lumOff val="5000"/>
-                </a:schemeClr>
-              </a:solidFill>
-              <a:latin typeface="Calibri" panose="020F0502020204030204" pitchFamily="34" charset="0"/>
-              <a:cs typeface="Calibri" panose="020F0502020204030204" pitchFamily="34" charset="0"/>
-            </a:endParaRPr>
           </a:p>
           <a:p>
             <a:pPr>
@@ -7821,16 +7698,6 @@
               </a:rPr>
               <a:t>Employee can create the vacancy.</a:t>
             </a:r>
-            <a:endParaRPr lang="en-US" sz="2400" dirty="0" smtClean="0">
-              <a:solidFill>
-                <a:schemeClr val="tx1">
-                  <a:lumMod val="95000"/>
-                  <a:lumOff val="5000"/>
-                </a:schemeClr>
-              </a:solidFill>
-              <a:latin typeface="Calibri" panose="020F0502020204030204" pitchFamily="34" charset="0"/>
-              <a:cs typeface="Calibri" panose="020F0502020204030204" pitchFamily="34" charset="0"/>
-            </a:endParaRPr>
           </a:p>
           <a:p>
             <a:pPr>
@@ -7850,16 +7717,6 @@
               </a:rPr>
               <a:t>User can apply for the vacancy.</a:t>
             </a:r>
-            <a:endParaRPr lang="en-US" sz="2400" dirty="0" smtClean="0">
-              <a:solidFill>
-                <a:schemeClr val="tx1">
-                  <a:lumMod val="95000"/>
-                  <a:lumOff val="5000"/>
-                </a:schemeClr>
-              </a:solidFill>
-              <a:latin typeface="Calibri" panose="020F0502020204030204" pitchFamily="34" charset="0"/>
-              <a:cs typeface="Calibri" panose="020F0502020204030204" pitchFamily="34" charset="0"/>
-            </a:endParaRPr>
           </a:p>
           <a:p>
             <a:pPr>
@@ -8673,16 +8530,6 @@
               </a:rPr>
               <a:t>This system is useful for both user and employee.</a:t>
             </a:r>
-            <a:endParaRPr lang="en-US" sz="2400" dirty="0" smtClean="0">
-              <a:solidFill>
-                <a:schemeClr val="tx1">
-                  <a:lumMod val="95000"/>
-                  <a:lumOff val="5000"/>
-                </a:schemeClr>
-              </a:solidFill>
-              <a:latin typeface="Calibri" panose="020F0502020204030204" pitchFamily="34" charset="0"/>
-              <a:cs typeface="Calibri" panose="020F0502020204030204" pitchFamily="34" charset="0"/>
-            </a:endParaRPr>
           </a:p>
           <a:p>
             <a:pPr>
@@ -8702,16 +8549,6 @@
               </a:rPr>
               <a:t>User can provide its details and apply for the vacancy.</a:t>
             </a:r>
-            <a:endParaRPr lang="en-US" sz="2400" dirty="0" smtClean="0">
-              <a:solidFill>
-                <a:schemeClr val="tx1">
-                  <a:lumMod val="95000"/>
-                  <a:lumOff val="5000"/>
-                </a:schemeClr>
-              </a:solidFill>
-              <a:latin typeface="Calibri" panose="020F0502020204030204" pitchFamily="34" charset="0"/>
-              <a:cs typeface="Calibri" panose="020F0502020204030204" pitchFamily="34" charset="0"/>
-            </a:endParaRPr>
           </a:p>
           <a:p>
             <a:pPr>
@@ -8731,16 +8568,6 @@
               </a:rPr>
               <a:t>Employee can create the vacancy and hire user as per his/her requirement.</a:t>
             </a:r>
-            <a:endParaRPr lang="en-US" sz="2400" dirty="0" smtClean="0">
-              <a:solidFill>
-                <a:schemeClr val="tx1">
-                  <a:lumMod val="95000"/>
-                  <a:lumOff val="5000"/>
-                </a:schemeClr>
-              </a:solidFill>
-              <a:latin typeface="Calibri" panose="020F0502020204030204" pitchFamily="34" charset="0"/>
-              <a:cs typeface="Calibri" panose="020F0502020204030204" pitchFamily="34" charset="0"/>
-            </a:endParaRPr>
           </a:p>
           <a:p>
             <a:pPr>
@@ -8760,16 +8587,6 @@
               </a:rPr>
               <a:t>This system is fully responsive and supported in all devices.</a:t>
             </a:r>
-            <a:endParaRPr lang="en-US" sz="2400" dirty="0" smtClean="0">
-              <a:solidFill>
-                <a:schemeClr val="tx1">
-                  <a:lumMod val="95000"/>
-                  <a:lumOff val="5000"/>
-                </a:schemeClr>
-              </a:solidFill>
-              <a:latin typeface="Calibri" panose="020F0502020204030204" pitchFamily="34" charset="0"/>
-              <a:cs typeface="Calibri" panose="020F0502020204030204" pitchFamily="34" charset="0"/>
-            </a:endParaRPr>
           </a:p>
           <a:p>
             <a:pPr>
@@ -8927,16 +8744,6 @@
               </a:rPr>
               <a:t>Build to overcome the problem of searching for job over the internet.</a:t>
             </a:r>
-            <a:endParaRPr lang="en-US" sz="2400" dirty="0" smtClean="0">
-              <a:solidFill>
-                <a:schemeClr val="tx1">
-                  <a:lumMod val="95000"/>
-                  <a:lumOff val="5000"/>
-                </a:schemeClr>
-              </a:solidFill>
-              <a:latin typeface="Calibri" panose="020F0502020204030204" pitchFamily="34" charset="0"/>
-              <a:cs typeface="Calibri" panose="020F0502020204030204" pitchFamily="34" charset="0"/>
-            </a:endParaRPr>
           </a:p>
           <a:p>
             <a:pPr>
@@ -8975,16 +8782,6 @@
               </a:rPr>
               <a:t>Manage time of both user and employee.</a:t>
             </a:r>
-            <a:endParaRPr lang="en-US" sz="2400" dirty="0" smtClean="0">
-              <a:solidFill>
-                <a:schemeClr val="tx1">
-                  <a:lumMod val="95000"/>
-                  <a:lumOff val="5000"/>
-                </a:schemeClr>
-              </a:solidFill>
-              <a:latin typeface="Calibri" panose="020F0502020204030204" pitchFamily="34" charset="0"/>
-              <a:cs typeface="Calibri" panose="020F0502020204030204" pitchFamily="34" charset="0"/>
-            </a:endParaRPr>
           </a:p>
           <a:p>
             <a:pPr marL="0" indent="0">
@@ -9163,16 +8960,6 @@
               </a:rPr>
               <a:t>To allow users to provide their personal and academic details.</a:t>
             </a:r>
-            <a:endParaRPr lang="en-US" sz="2400" dirty="0" smtClean="0">
-              <a:solidFill>
-                <a:schemeClr val="tx1">
-                  <a:lumMod val="95000"/>
-                  <a:lumOff val="5000"/>
-                </a:schemeClr>
-              </a:solidFill>
-              <a:latin typeface="Calibri" panose="020F0502020204030204" pitchFamily="34" charset="0"/>
-              <a:cs typeface="Calibri" panose="020F0502020204030204" pitchFamily="34" charset="0"/>
-            </a:endParaRPr>
           </a:p>
           <a:p>
             <a:pPr>
@@ -9205,16 +8992,6 @@
               </a:rPr>
               <a:t>allow employees create their vacancy as per their requirement.</a:t>
             </a:r>
-            <a:endParaRPr lang="en-US" sz="2400" dirty="0" smtClean="0">
-              <a:solidFill>
-                <a:schemeClr val="tx1">
-                  <a:lumMod val="95000"/>
-                  <a:lumOff val="5000"/>
-                </a:schemeClr>
-              </a:solidFill>
-              <a:latin typeface="Calibri" panose="020F0502020204030204" pitchFamily="34" charset="0"/>
-              <a:cs typeface="Calibri" panose="020F0502020204030204" pitchFamily="34" charset="0"/>
-            </a:endParaRPr>
           </a:p>
           <a:p>
             <a:pPr>
@@ -9649,16 +9426,6 @@
               </a:rPr>
               <a:t>Provide and edit personal as well as academic details.</a:t>
             </a:r>
-            <a:endParaRPr lang="en-US" sz="2000" dirty="0" smtClean="0">
-              <a:solidFill>
-                <a:schemeClr val="tx1">
-                  <a:lumMod val="95000"/>
-                  <a:lumOff val="5000"/>
-                </a:schemeClr>
-              </a:solidFill>
-              <a:latin typeface="Calibri" panose="020F0502020204030204" pitchFamily="34" charset="0"/>
-              <a:cs typeface="Calibri" panose="020F0502020204030204" pitchFamily="34" charset="0"/>
-            </a:endParaRPr>
           </a:p>
           <a:p>
             <a:pPr>
@@ -9678,16 +9445,6 @@
               </a:rPr>
               <a:t>Create the vacancy.</a:t>
             </a:r>
-            <a:endParaRPr lang="en-US" sz="2000" dirty="0" smtClean="0">
-              <a:solidFill>
-                <a:schemeClr val="tx1">
-                  <a:lumMod val="95000"/>
-                  <a:lumOff val="5000"/>
-                </a:schemeClr>
-              </a:solidFill>
-              <a:latin typeface="Calibri" panose="020F0502020204030204" pitchFamily="34" charset="0"/>
-              <a:cs typeface="Calibri" panose="020F0502020204030204" pitchFamily="34" charset="0"/>
-            </a:endParaRPr>
           </a:p>
           <a:p>
             <a:pPr>
@@ -9726,16 +9483,6 @@
               </a:rPr>
               <a:t>Hire the appropriate candidate.</a:t>
             </a:r>
-            <a:endParaRPr lang="en-US" sz="2000" dirty="0" smtClean="0">
-              <a:solidFill>
-                <a:schemeClr val="tx1">
-                  <a:lumMod val="95000"/>
-                  <a:lumOff val="5000"/>
-                </a:schemeClr>
-              </a:solidFill>
-              <a:latin typeface="Calibri" panose="020F0502020204030204" pitchFamily="34" charset="0"/>
-              <a:cs typeface="Calibri" panose="020F0502020204030204" pitchFamily="34" charset="0"/>
-            </a:endParaRPr>
           </a:p>
           <a:p>
             <a:pPr>
@@ -10060,20 +9807,7 @@
                 <a:latin typeface="Calibri" panose="020F0502020204030204" pitchFamily="34" charset="0"/>
                 <a:cs typeface="Calibri" panose="020F0502020204030204" pitchFamily="34" charset="0"/>
               </a:rPr>
-              <a:t>It helps to manage the cost and budget used for building the system</a:t>
-            </a:r>
-            <a:r>
-              <a:rPr lang="en-US" sz="2000" dirty="0" smtClean="0">
-                <a:solidFill>
-                  <a:schemeClr val="tx1">
-                    <a:lumMod val="95000"/>
-                    <a:lumOff val="5000"/>
-                  </a:schemeClr>
-                </a:solidFill>
-                <a:latin typeface="Calibri" panose="020F0502020204030204" pitchFamily="34" charset="0"/>
-                <a:cs typeface="Calibri" panose="020F0502020204030204" pitchFamily="34" charset="0"/>
-              </a:rPr>
-              <a:t>.</a:t>
+              <a:t>It helps to manage the cost and budget used for building the system.</a:t>
             </a:r>
           </a:p>
           <a:p>
@@ -10105,20 +9839,7 @@
                 <a:latin typeface="Calibri" panose="020F0502020204030204" pitchFamily="34" charset="0"/>
                 <a:cs typeface="Calibri" panose="020F0502020204030204" pitchFamily="34" charset="0"/>
               </a:rPr>
-              <a:t>Operational </a:t>
-            </a:r>
-            <a:r>
-              <a:rPr lang="en-US" sz="2400" dirty="0" smtClean="0">
-                <a:solidFill>
-                  <a:schemeClr val="tx1">
-                    <a:lumMod val="95000"/>
-                    <a:lumOff val="5000"/>
-                  </a:schemeClr>
-                </a:solidFill>
-                <a:latin typeface="Calibri" panose="020F0502020204030204" pitchFamily="34" charset="0"/>
-                <a:cs typeface="Calibri" panose="020F0502020204030204" pitchFamily="34" charset="0"/>
-              </a:rPr>
-              <a:t>Feasibility</a:t>
+              <a:t>Operational Feasibility</a:t>
             </a:r>
           </a:p>
           <a:p>
